--- a/Apresentação Wellikiandre Mercado Livre.pptx
+++ b/Apresentação Wellikiandre Mercado Livre.pptx
@@ -105,6 +105,11 @@
       </a:defRPr>
     </a:lvl9pPr>
   </p:defaultTextStyle>
+  <p:extLst>
+    <p:ext uri="{EFAFB233-063F-42B5-8137-9DF3F51BA10A}">
+      <p15:sldGuideLst xmlns:p15="http://schemas.microsoft.com/office/powerpoint/2012/main"/>
+    </p:ext>
+  </p:extLst>
 </p:presentation>
 </file>
 
@@ -3177,7 +3182,6 @@
               <a:rPr lang="pt-BR" dirty="0"/>
               <a:t>3</a:t>
             </a:r>
-            <a:endParaRPr lang="pt-BR" dirty="0"/>
           </a:p>
         </p:txBody>
       </p:sp>
@@ -3438,7 +3442,7 @@
           <a:graphicData uri="http://schemas.openxmlformats.org/presentationml/2006/ole">
             <mc:AlternateContent xmlns:mc="http://schemas.openxmlformats.org/markup-compatibility/2006">
               <mc:Choice xmlns:v="urn:schemas-microsoft-com:vml" Requires="v">
-                <p:oleObj spid="_x0000_s2123" name="Acrobat Document" showAsIcon="1" r:id="rId4" imgW="914400" imgH="771480" progId="AcroExch.Document.DC">
+                <p:oleObj spid="_x0000_s2137" name="Acrobat Document" showAsIcon="1" r:id="rId4" imgW="914400" imgH="771480" progId="AcroExch.Document.DC">
                   <p:embed/>
                 </p:oleObj>
               </mc:Choice>
@@ -3754,7 +3758,7 @@
           <a:graphicData uri="http://schemas.openxmlformats.org/presentationml/2006/ole">
             <mc:AlternateContent xmlns:mc="http://schemas.openxmlformats.org/markup-compatibility/2006">
               <mc:Choice xmlns:v="urn:schemas-microsoft-com:vml" Requires="v">
-                <p:oleObj spid="_x0000_s2124" name="Acrobat Document" showAsIcon="1" r:id="rId6" imgW="914400" imgH="771480" progId="AcroExch.Document.DC">
+                <p:oleObj spid="_x0000_s2138" name="Acrobat Document" showAsIcon="1" r:id="rId6" imgW="914400" imgH="771480" progId="AcroExch.Document.DC">
                   <p:embed/>
                 </p:oleObj>
               </mc:Choice>
@@ -4053,7 +4057,6 @@
                 <a:rPr lang="pt-BR" dirty="0"/>
                 <a:t>2</a:t>
               </a:r>
-              <a:endParaRPr lang="pt-BR" dirty="0"/>
             </a:p>
           </p:txBody>
         </p:sp>
@@ -4128,7 +4131,7 @@
           <a:graphicData uri="http://schemas.openxmlformats.org/presentationml/2006/ole">
             <mc:AlternateContent xmlns:mc="http://schemas.openxmlformats.org/markup-compatibility/2006">
               <mc:Choice xmlns:v="urn:schemas-microsoft-com:vml" Requires="v">
-                <p:oleObj spid="_x0000_s2125" name="Acrobat Document" showAsIcon="1" r:id="rId8" imgW="914400" imgH="771480" progId="AcroExch.Document.DC">
+                <p:oleObj spid="_x0000_s2139" name="Acrobat Document" showAsIcon="1" r:id="rId8" imgW="914400" imgH="771480" progId="AcroExch.Document.DC">
                   <p:embed/>
                 </p:oleObj>
               </mc:Choice>
@@ -4185,7 +4188,7 @@
           <a:graphicData uri="http://schemas.openxmlformats.org/presentationml/2006/ole">
             <mc:AlternateContent xmlns:mc="http://schemas.openxmlformats.org/markup-compatibility/2006">
               <mc:Choice xmlns:v="urn:schemas-microsoft-com:vml" Requires="v">
-                <p:oleObj spid="_x0000_s2126" name="Acrobat Document" showAsIcon="1" r:id="rId10" imgW="914400" imgH="771480" progId="AcroExch.Document.DC">
+                <p:oleObj spid="_x0000_s2140" name="Acrobat Document" showAsIcon="1" r:id="rId10" imgW="914400" imgH="771480" progId="AcroExch.Document.DC">
                   <p:embed/>
                 </p:oleObj>
               </mc:Choice>
@@ -4604,7 +4607,6 @@
               <a:rPr lang="pt-BR" dirty="0"/>
               <a:t>3</a:t>
             </a:r>
-            <a:endParaRPr lang="pt-BR" dirty="0"/>
           </a:p>
         </p:txBody>
       </p:sp>
@@ -5418,7 +5420,7 @@
           <a:graphicData uri="http://schemas.openxmlformats.org/presentationml/2006/ole">
             <mc:AlternateContent xmlns:mc="http://schemas.openxmlformats.org/markup-compatibility/2006">
               <mc:Choice xmlns:v="urn:schemas-microsoft-com:vml" Requires="v">
-                <p:oleObj spid="_x0000_s2127" name="Acrobat Document" showAsIcon="1" r:id="rId12" imgW="914400" imgH="771480" progId="AcroExch.Document.DC">
+                <p:oleObj spid="_x0000_s2141" name="Acrobat Document" showAsIcon="1" r:id="rId12" imgW="914400" imgH="771480" progId="AcroExch.Document.DC">
                   <p:embed/>
                 </p:oleObj>
               </mc:Choice>
@@ -5475,7 +5477,7 @@
           <a:graphicData uri="http://schemas.openxmlformats.org/presentationml/2006/ole">
             <mc:AlternateContent xmlns:mc="http://schemas.openxmlformats.org/markup-compatibility/2006">
               <mc:Choice xmlns:v="urn:schemas-microsoft-com:vml" Requires="v">
-                <p:oleObj spid="_x0000_s2128" name="Acrobat Document" showAsIcon="1" r:id="rId14" imgW="914400" imgH="771480" progId="AcroExch.Document.DC">
+                <p:oleObj spid="_x0000_s2142" name="Acrobat Document" showAsIcon="1" r:id="rId14" imgW="914400" imgH="771480" progId="AcroExch.Document.DC">
                   <p:embed/>
                 </p:oleObj>
               </mc:Choice>
@@ -5636,6 +5638,107 @@
           <a:p>
             <a:pPr algn="ctr"/>
             <a:endParaRPr lang="pt-BR"/>
+          </a:p>
+        </p:txBody>
+      </p:sp>
+      <p:pic>
+        <p:nvPicPr>
+          <p:cNvPr id="2130" name="Picture 82" descr="GitHub (@github) / Twitter">
+            <a:hlinkClick r:id="rId17"/>
+          </p:cNvPr>
+          <p:cNvPicPr>
+            <a:picLocks noChangeAspect="1" noChangeArrowheads="1"/>
+          </p:cNvPicPr>
+          <p:nvPr/>
+        </p:nvPicPr>
+        <p:blipFill>
+          <a:blip r:embed="rId18" cstate="print">
+            <a:extLst>
+              <a:ext uri="{28A0092B-C50C-407E-A947-70E740481C1C}">
+                <a14:useLocalDpi xmlns:a14="http://schemas.microsoft.com/office/drawing/2010/main" val="0"/>
+              </a:ext>
+            </a:extLst>
+          </a:blip>
+          <a:srcRect/>
+          <a:stretch>
+            <a:fillRect/>
+          </a:stretch>
+        </p:blipFill>
+        <p:spPr bwMode="auto">
+          <a:xfrm>
+            <a:off x="10663570" y="32752"/>
+            <a:ext cx="486690" cy="486690"/>
+          </a:xfrm>
+          <a:prstGeom prst="rect">
+            <a:avLst/>
+          </a:prstGeom>
+          <a:noFill/>
+          <a:extLst>
+            <a:ext uri="{909E8E84-426E-40DD-AFC4-6F175D3DCCD1}">
+              <a14:hiddenFill xmlns:a14="http://schemas.microsoft.com/office/drawing/2010/main">
+                <a:solidFill>
+                  <a:srgbClr val="FFFFFF"/>
+                </a:solidFill>
+              </a14:hiddenFill>
+            </a:ext>
+          </a:extLst>
+        </p:spPr>
+      </p:pic>
+      <p:sp>
+        <p:nvSpPr>
+          <p:cNvPr id="2" name="Retângulo 1"/>
+          <p:cNvSpPr/>
+          <p:nvPr/>
+        </p:nvSpPr>
+        <p:spPr>
+          <a:xfrm>
+            <a:off x="9455416" y="122418"/>
+            <a:ext cx="1184683" cy="369332"/>
+          </a:xfrm>
+          <a:prstGeom prst="rect">
+            <a:avLst/>
+          </a:prstGeom>
+        </p:spPr>
+        <p:txBody>
+          <a:bodyPr wrap="none">
+            <a:spAutoFit/>
+          </a:bodyPr>
+          <a:lstStyle/>
+          <a:p>
+            <a:r>
+              <a:rPr lang="pt-BR" b="1" dirty="0" smtClean="0"/>
+              <a:t>Projeto no</a:t>
+            </a:r>
+            <a:endParaRPr lang="pt-BR" b="1" dirty="0"/>
+          </a:p>
+        </p:txBody>
+      </p:sp>
+      <p:sp>
+        <p:nvSpPr>
+          <p:cNvPr id="3" name="Retângulo 2"/>
+          <p:cNvSpPr/>
+          <p:nvPr/>
+        </p:nvSpPr>
+        <p:spPr>
+          <a:xfrm>
+            <a:off x="10649232" y="424488"/>
+            <a:ext cx="561372" cy="369332"/>
+          </a:xfrm>
+          <a:prstGeom prst="rect">
+            <a:avLst/>
+          </a:prstGeom>
+        </p:spPr>
+        <p:txBody>
+          <a:bodyPr wrap="none">
+            <a:spAutoFit/>
+          </a:bodyPr>
+          <a:lstStyle/>
+          <a:p>
+            <a:r>
+              <a:rPr lang="pt-BR" dirty="0" smtClean="0"/>
+              <a:t>Link</a:t>
+            </a:r>
+            <a:endParaRPr lang="pt-BR" dirty="0"/>
           </a:p>
         </p:txBody>
       </p:sp>

--- a/Apresentação Wellikiandre Mercado Livre.pptx
+++ b/Apresentação Wellikiandre Mercado Livre.pptx
@@ -3429,20 +3429,20 @@
           <p:nvPr>
             <p:extLst>
               <p:ext uri="{D42A27DB-BD31-4B8C-83A1-F6EECF244321}">
-                <p14:modId xmlns:p14="http://schemas.microsoft.com/office/powerpoint/2010/main" val="3163676683"/>
+                <p14:modId xmlns:p14="http://schemas.microsoft.com/office/powerpoint/2010/main" val="1332106423"/>
               </p:ext>
             </p:extLst>
           </p:nvPr>
         </p:nvGraphicFramePr>
         <p:xfrm>
-          <a:off x="1524680" y="1566010"/>
+          <a:off x="1499191" y="1566010"/>
           <a:ext cx="914400" cy="771525"/>
         </p:xfrm>
         <a:graphic>
           <a:graphicData uri="http://schemas.openxmlformats.org/presentationml/2006/ole">
             <mc:AlternateContent xmlns:mc="http://schemas.openxmlformats.org/markup-compatibility/2006">
               <mc:Choice xmlns:v="urn:schemas-microsoft-com:vml" Requires="v">
-                <p:oleObj spid="_x0000_s2137" name="Acrobat Document" showAsIcon="1" r:id="rId4" imgW="914400" imgH="771480" progId="AcroExch.Document.DC">
+                <p:oleObj spid="_x0000_s2165" name="Acrobat Document" showAsIcon="1" r:id="rId4" imgW="914400" imgH="771480" progId="AcroExch.Document.DC">
                   <p:embed/>
                 </p:oleObj>
               </mc:Choice>
@@ -3463,7 +3463,7 @@
                     </p:blipFill>
                     <p:spPr>
                       <a:xfrm>
-                        <a:off x="1524680" y="1566010"/>
+                        <a:off x="1499191" y="1566010"/>
                         <a:ext cx="914400" cy="771525"/>
                       </a:xfrm>
                       <a:prstGeom prst="rect">
@@ -3745,7 +3745,7 @@
           <p:nvPr>
             <p:extLst>
               <p:ext uri="{D42A27DB-BD31-4B8C-83A1-F6EECF244321}">
-                <p14:modId xmlns:p14="http://schemas.microsoft.com/office/powerpoint/2010/main" val="3848571340"/>
+                <p14:modId xmlns:p14="http://schemas.microsoft.com/office/powerpoint/2010/main" val="2538592190"/>
               </p:ext>
             </p:extLst>
           </p:nvPr>
@@ -3758,7 +3758,7 @@
           <a:graphicData uri="http://schemas.openxmlformats.org/presentationml/2006/ole">
             <mc:AlternateContent xmlns:mc="http://schemas.openxmlformats.org/markup-compatibility/2006">
               <mc:Choice xmlns:v="urn:schemas-microsoft-com:vml" Requires="v">
-                <p:oleObj spid="_x0000_s2138" name="Acrobat Document" showAsIcon="1" r:id="rId6" imgW="914400" imgH="771480" progId="AcroExch.Document.DC">
+                <p:oleObj spid="_x0000_s2166" name="Acrobat Document" showAsIcon="1" r:id="rId6" imgW="914400" imgH="771480" progId="AcroExch.Document.DC">
                   <p:embed/>
                 </p:oleObj>
               </mc:Choice>
@@ -4118,7 +4118,7 @@
           <p:nvPr>
             <p:extLst>
               <p:ext uri="{D42A27DB-BD31-4B8C-83A1-F6EECF244321}">
-                <p14:modId xmlns:p14="http://schemas.microsoft.com/office/powerpoint/2010/main" val="3125043496"/>
+                <p14:modId xmlns:p14="http://schemas.microsoft.com/office/powerpoint/2010/main" val="995737483"/>
               </p:ext>
             </p:extLst>
           </p:nvPr>
@@ -4131,7 +4131,7 @@
           <a:graphicData uri="http://schemas.openxmlformats.org/presentationml/2006/ole">
             <mc:AlternateContent xmlns:mc="http://schemas.openxmlformats.org/markup-compatibility/2006">
               <mc:Choice xmlns:v="urn:schemas-microsoft-com:vml" Requires="v">
-                <p:oleObj spid="_x0000_s2139" name="Acrobat Document" showAsIcon="1" r:id="rId8" imgW="914400" imgH="771480" progId="AcroExch.Document.DC">
+                <p:oleObj spid="_x0000_s2167" name="Acrobat Document" showAsIcon="1" r:id="rId8" imgW="914400" imgH="771480" progId="AcroExch.Document.DC">
                   <p:embed/>
                 </p:oleObj>
               </mc:Choice>
@@ -4175,7 +4175,7 @@
           <p:nvPr>
             <p:extLst>
               <p:ext uri="{D42A27DB-BD31-4B8C-83A1-F6EECF244321}">
-                <p14:modId xmlns:p14="http://schemas.microsoft.com/office/powerpoint/2010/main" val="1875954917"/>
+                <p14:modId xmlns:p14="http://schemas.microsoft.com/office/powerpoint/2010/main" val="1061069259"/>
               </p:ext>
             </p:extLst>
           </p:nvPr>
@@ -4188,7 +4188,7 @@
           <a:graphicData uri="http://schemas.openxmlformats.org/presentationml/2006/ole">
             <mc:AlternateContent xmlns:mc="http://schemas.openxmlformats.org/markup-compatibility/2006">
               <mc:Choice xmlns:v="urn:schemas-microsoft-com:vml" Requires="v">
-                <p:oleObj spid="_x0000_s2140" name="Acrobat Document" showAsIcon="1" r:id="rId10" imgW="914400" imgH="771480" progId="AcroExch.Document.DC">
+                <p:oleObj spid="_x0000_s2168" name="Acrobat Document" showAsIcon="1" r:id="rId10" imgW="914400" imgH="771480" progId="AcroExch.Document.DC">
                   <p:embed/>
                 </p:oleObj>
               </mc:Choice>
@@ -5398,120 +5398,6 @@
           </p:txBody>
         </p:sp>
       </p:grpSp>
-      <p:graphicFrame>
-        <p:nvGraphicFramePr>
-          <p:cNvPr id="71" name="Objeto 70"/>
-          <p:cNvGraphicFramePr>
-            <a:graphicFrameLocks noChangeAspect="1"/>
-          </p:cNvGraphicFramePr>
-          <p:nvPr>
-            <p:extLst>
-              <p:ext uri="{D42A27DB-BD31-4B8C-83A1-F6EECF244321}">
-                <p14:modId xmlns:p14="http://schemas.microsoft.com/office/powerpoint/2010/main" val="3029295832"/>
-              </p:ext>
-            </p:extLst>
-          </p:nvPr>
-        </p:nvGraphicFramePr>
-        <p:xfrm>
-          <a:off x="5605971" y="3499735"/>
-          <a:ext cx="914400" cy="771525"/>
-        </p:xfrm>
-        <a:graphic>
-          <a:graphicData uri="http://schemas.openxmlformats.org/presentationml/2006/ole">
-            <mc:AlternateContent xmlns:mc="http://schemas.openxmlformats.org/markup-compatibility/2006">
-              <mc:Choice xmlns:v="urn:schemas-microsoft-com:vml" Requires="v">
-                <p:oleObj spid="_x0000_s2141" name="Acrobat Document" showAsIcon="1" r:id="rId12" imgW="914400" imgH="771480" progId="AcroExch.Document.DC">
-                  <p:embed/>
-                </p:oleObj>
-              </mc:Choice>
-              <mc:Fallback>
-                <p:oleObj name="Acrobat Document" showAsIcon="1" r:id="rId12" imgW="914400" imgH="771480" progId="AcroExch.Document.DC">
-                  <p:embed/>
-                  <p:pic>
-                    <p:nvPicPr>
-                      <p:cNvPr id="0" name=""/>
-                      <p:cNvPicPr/>
-                      <p:nvPr/>
-                    </p:nvPicPr>
-                    <p:blipFill>
-                      <a:blip r:embed="rId13"/>
-                      <a:stretch>
-                        <a:fillRect/>
-                      </a:stretch>
-                    </p:blipFill>
-                    <p:spPr>
-                      <a:xfrm>
-                        <a:off x="5605971" y="3499735"/>
-                        <a:ext cx="914400" cy="771525"/>
-                      </a:xfrm>
-                      <a:prstGeom prst="rect">
-                        <a:avLst/>
-                      </a:prstGeom>
-                    </p:spPr>
-                  </p:pic>
-                </p:oleObj>
-              </mc:Fallback>
-            </mc:AlternateContent>
-          </a:graphicData>
-        </a:graphic>
-      </p:graphicFrame>
-      <p:graphicFrame>
-        <p:nvGraphicFramePr>
-          <p:cNvPr id="72" name="Objeto 71"/>
-          <p:cNvGraphicFramePr>
-            <a:graphicFrameLocks noChangeAspect="1"/>
-          </p:cNvGraphicFramePr>
-          <p:nvPr>
-            <p:extLst>
-              <p:ext uri="{D42A27DB-BD31-4B8C-83A1-F6EECF244321}">
-                <p14:modId xmlns:p14="http://schemas.microsoft.com/office/powerpoint/2010/main" val="2059673747"/>
-              </p:ext>
-            </p:extLst>
-          </p:nvPr>
-        </p:nvGraphicFramePr>
-        <p:xfrm>
-          <a:off x="9520731" y="3514116"/>
-          <a:ext cx="914400" cy="771525"/>
-        </p:xfrm>
-        <a:graphic>
-          <a:graphicData uri="http://schemas.openxmlformats.org/presentationml/2006/ole">
-            <mc:AlternateContent xmlns:mc="http://schemas.openxmlformats.org/markup-compatibility/2006">
-              <mc:Choice xmlns:v="urn:schemas-microsoft-com:vml" Requires="v">
-                <p:oleObj spid="_x0000_s2142" name="Acrobat Document" showAsIcon="1" r:id="rId14" imgW="914400" imgH="771480" progId="AcroExch.Document.DC">
-                  <p:embed/>
-                </p:oleObj>
-              </mc:Choice>
-              <mc:Fallback>
-                <p:oleObj name="Acrobat Document" showAsIcon="1" r:id="rId14" imgW="914400" imgH="771480" progId="AcroExch.Document.DC">
-                  <p:embed/>
-                  <p:pic>
-                    <p:nvPicPr>
-                      <p:cNvPr id="0" name=""/>
-                      <p:cNvPicPr/>
-                      <p:nvPr/>
-                    </p:nvPicPr>
-                    <p:blipFill>
-                      <a:blip r:embed="rId15"/>
-                      <a:stretch>
-                        <a:fillRect/>
-                      </a:stretch>
-                    </p:blipFill>
-                    <p:spPr>
-                      <a:xfrm>
-                        <a:off x="9520731" y="3514116"/>
-                        <a:ext cx="914400" cy="771525"/>
-                      </a:xfrm>
-                      <a:prstGeom prst="rect">
-                        <a:avLst/>
-                      </a:prstGeom>
-                    </p:spPr>
-                  </p:pic>
-                </p:oleObj>
-              </mc:Fallback>
-            </mc:AlternateContent>
-          </a:graphicData>
-        </a:graphic>
-      </p:graphicFrame>
       <p:pic>
         <p:nvPicPr>
           <p:cNvPr id="73" name="Imagem 72"/>
@@ -5521,7 +5407,7 @@
           <p:nvPr/>
         </p:nvPicPr>
         <p:blipFill>
-          <a:blip r:embed="rId16"/>
+          <a:blip r:embed="rId12"/>
           <a:stretch>
             <a:fillRect/>
           </a:stretch>
@@ -5644,7 +5530,7 @@
       <p:pic>
         <p:nvPicPr>
           <p:cNvPr id="2130" name="Picture 82" descr="GitHub (@github) / Twitter">
-            <a:hlinkClick r:id="rId17"/>
+            <a:hlinkClick r:id="rId13"/>
           </p:cNvPr>
           <p:cNvPicPr>
             <a:picLocks noChangeAspect="1" noChangeArrowheads="1"/>
@@ -5652,7 +5538,7 @@
           <p:nvPr/>
         </p:nvPicPr>
         <p:blipFill>
-          <a:blip r:embed="rId18" cstate="print">
+          <a:blip r:embed="rId14" cstate="print">
             <a:extLst>
               <a:ext uri="{28A0092B-C50C-407E-A947-70E740481C1C}">
                 <a14:useLocalDpi xmlns:a14="http://schemas.microsoft.com/office/drawing/2010/main" val="0"/>
@@ -5735,13 +5621,129 @@
           <a:lstStyle/>
           <a:p>
             <a:r>
-              <a:rPr lang="pt-BR" dirty="0" smtClean="0"/>
+              <a:rPr lang="pt-BR" dirty="0" smtClean="0">
+                <a:hlinkClick r:id="rId15"/>
+              </a:rPr>
               <a:t>Link</a:t>
             </a:r>
             <a:endParaRPr lang="pt-BR" dirty="0"/>
           </a:p>
         </p:txBody>
       </p:sp>
+      <p:graphicFrame>
+        <p:nvGraphicFramePr>
+          <p:cNvPr id="17" name="Objeto 16"/>
+          <p:cNvGraphicFramePr>
+            <a:graphicFrameLocks noChangeAspect="1"/>
+          </p:cNvGraphicFramePr>
+          <p:nvPr>
+            <p:extLst>
+              <p:ext uri="{D42A27DB-BD31-4B8C-83A1-F6EECF244321}">
+                <p14:modId xmlns:p14="http://schemas.microsoft.com/office/powerpoint/2010/main" val="1482875897"/>
+              </p:ext>
+            </p:extLst>
+          </p:nvPr>
+        </p:nvGraphicFramePr>
+        <p:xfrm>
+          <a:off x="5569375" y="3448504"/>
+          <a:ext cx="914400" cy="771525"/>
+        </p:xfrm>
+        <a:graphic>
+          <a:graphicData uri="http://schemas.openxmlformats.org/presentationml/2006/ole">
+            <mc:AlternateContent xmlns:mc="http://schemas.openxmlformats.org/markup-compatibility/2006">
+              <mc:Choice xmlns:v="urn:schemas-microsoft-com:vml" Requires="v">
+                <p:oleObj spid="_x0000_s2169" name="Acrobat Document" showAsIcon="1" r:id="rId16" imgW="914400" imgH="771480" progId="Acrobat.Document.DC">
+                  <p:embed/>
+                </p:oleObj>
+              </mc:Choice>
+              <mc:Fallback>
+                <p:oleObj name="Acrobat Document" showAsIcon="1" r:id="rId16" imgW="914400" imgH="771480" progId="Acrobat.Document.DC">
+                  <p:embed/>
+                  <p:pic>
+                    <p:nvPicPr>
+                      <p:cNvPr id="0" name=""/>
+                      <p:cNvPicPr/>
+                      <p:nvPr/>
+                    </p:nvPicPr>
+                    <p:blipFill>
+                      <a:blip r:embed="rId17"/>
+                      <a:stretch>
+                        <a:fillRect/>
+                      </a:stretch>
+                    </p:blipFill>
+                    <p:spPr>
+                      <a:xfrm>
+                        <a:off x="5569375" y="3448504"/>
+                        <a:ext cx="914400" cy="771525"/>
+                      </a:xfrm>
+                      <a:prstGeom prst="rect">
+                        <a:avLst/>
+                      </a:prstGeom>
+                    </p:spPr>
+                  </p:pic>
+                </p:oleObj>
+              </mc:Fallback>
+            </mc:AlternateContent>
+          </a:graphicData>
+        </a:graphic>
+      </p:graphicFrame>
+      <p:graphicFrame>
+        <p:nvGraphicFramePr>
+          <p:cNvPr id="18" name="Objeto 17"/>
+          <p:cNvGraphicFramePr>
+            <a:graphicFrameLocks noChangeAspect="1"/>
+          </p:cNvGraphicFramePr>
+          <p:nvPr>
+            <p:extLst>
+              <p:ext uri="{D42A27DB-BD31-4B8C-83A1-F6EECF244321}">
+                <p14:modId xmlns:p14="http://schemas.microsoft.com/office/powerpoint/2010/main" val="3671280260"/>
+              </p:ext>
+            </p:extLst>
+          </p:nvPr>
+        </p:nvGraphicFramePr>
+        <p:xfrm>
+          <a:off x="9492637" y="3459272"/>
+          <a:ext cx="914400" cy="771525"/>
+        </p:xfrm>
+        <a:graphic>
+          <a:graphicData uri="http://schemas.openxmlformats.org/presentationml/2006/ole">
+            <mc:AlternateContent xmlns:mc="http://schemas.openxmlformats.org/markup-compatibility/2006">
+              <mc:Choice xmlns:v="urn:schemas-microsoft-com:vml" Requires="v">
+                <p:oleObj spid="_x0000_s2170" name="Acrobat Document" showAsIcon="1" r:id="rId18" imgW="914400" imgH="771480" progId="Acrobat.Document.DC">
+                  <p:embed/>
+                </p:oleObj>
+              </mc:Choice>
+              <mc:Fallback>
+                <p:oleObj name="Acrobat Document" showAsIcon="1" r:id="rId18" imgW="914400" imgH="771480" progId="Acrobat.Document.DC">
+                  <p:embed/>
+                  <p:pic>
+                    <p:nvPicPr>
+                      <p:cNvPr id="0" name=""/>
+                      <p:cNvPicPr/>
+                      <p:nvPr/>
+                    </p:nvPicPr>
+                    <p:blipFill>
+                      <a:blip r:embed="rId19"/>
+                      <a:stretch>
+                        <a:fillRect/>
+                      </a:stretch>
+                    </p:blipFill>
+                    <p:spPr>
+                      <a:xfrm>
+                        <a:off x="9492637" y="3459272"/>
+                        <a:ext cx="914400" cy="771525"/>
+                      </a:xfrm>
+                      <a:prstGeom prst="rect">
+                        <a:avLst/>
+                      </a:prstGeom>
+                    </p:spPr>
+                  </p:pic>
+                </p:oleObj>
+              </mc:Fallback>
+            </mc:AlternateContent>
+          </a:graphicData>
+        </a:graphic>
+      </p:graphicFrame>
     </p:spTree>
     <p:extLst>
       <p:ext uri="{BB962C8B-B14F-4D97-AF65-F5344CB8AC3E}">

--- a/Apresentação Wellikiandre Mercado Livre.pptx
+++ b/Apresentação Wellikiandre Mercado Livre.pptx
@@ -822,6 +822,13 @@
   <p:clrMapOvr>
     <a:masterClrMapping/>
   </p:clrMapOvr>
+  <p:timing>
+    <p:tnLst>
+      <p:par>
+        <p:cTn id="1" dur="indefinite" restart="never" nodeType="tmRoot"/>
+      </p:par>
+    </p:tnLst>
+  </p:timing>
 </p:sldLayout>
 </file>
 
@@ -3442,12 +3449,12 @@
           <a:graphicData uri="http://schemas.openxmlformats.org/presentationml/2006/ole">
             <mc:AlternateContent xmlns:mc="http://schemas.openxmlformats.org/markup-compatibility/2006">
               <mc:Choice xmlns:v="urn:schemas-microsoft-com:vml" Requires="v">
-                <p:oleObj spid="_x0000_s2165" name="Acrobat Document" showAsIcon="1" r:id="rId4" imgW="914400" imgH="771480" progId="AcroExch.Document.DC">
+                <p:oleObj spid="_x0000_s2233" name="Acrobat Document" showAsIcon="1" r:id="rId4" imgW="914400" imgH="771480" progId="Acrobat.Document.DC">
                   <p:embed/>
                 </p:oleObj>
               </mc:Choice>
               <mc:Fallback>
-                <p:oleObj name="Acrobat Document" showAsIcon="1" r:id="rId4" imgW="914400" imgH="771480" progId="AcroExch.Document.DC">
+                <p:oleObj name="Acrobat Document" showAsIcon="1" r:id="rId4" imgW="914400" imgH="771480" progId="Acrobat.Document.DC">
                   <p:embed/>
                   <p:pic>
                     <p:nvPicPr>
@@ -3758,7 +3765,7 @@
           <a:graphicData uri="http://schemas.openxmlformats.org/presentationml/2006/ole">
             <mc:AlternateContent xmlns:mc="http://schemas.openxmlformats.org/markup-compatibility/2006">
               <mc:Choice xmlns:v="urn:schemas-microsoft-com:vml" Requires="v">
-                <p:oleObj spid="_x0000_s2166" name="Acrobat Document" showAsIcon="1" r:id="rId6" imgW="914400" imgH="771480" progId="AcroExch.Document.DC">
+                <p:oleObj spid="_x0000_s2234" name="Acrobat Document" showAsIcon="1" r:id="rId6" imgW="914400" imgH="771480" progId="AcroExch.Document.DC">
                   <p:embed/>
                 </p:oleObj>
               </mc:Choice>
@@ -4131,7 +4138,7 @@
           <a:graphicData uri="http://schemas.openxmlformats.org/presentationml/2006/ole">
             <mc:AlternateContent xmlns:mc="http://schemas.openxmlformats.org/markup-compatibility/2006">
               <mc:Choice xmlns:v="urn:schemas-microsoft-com:vml" Requires="v">
-                <p:oleObj spid="_x0000_s2167" name="Acrobat Document" showAsIcon="1" r:id="rId8" imgW="914400" imgH="771480" progId="AcroExch.Document.DC">
+                <p:oleObj spid="_x0000_s2235" name="Acrobat Document" showAsIcon="1" r:id="rId8" imgW="914400" imgH="771480" progId="AcroExch.Document.DC">
                   <p:embed/>
                 </p:oleObj>
               </mc:Choice>
@@ -4188,12 +4195,12 @@
           <a:graphicData uri="http://schemas.openxmlformats.org/presentationml/2006/ole">
             <mc:AlternateContent xmlns:mc="http://schemas.openxmlformats.org/markup-compatibility/2006">
               <mc:Choice xmlns:v="urn:schemas-microsoft-com:vml" Requires="v">
-                <p:oleObj spid="_x0000_s2168" name="Acrobat Document" showAsIcon="1" r:id="rId10" imgW="914400" imgH="771480" progId="AcroExch.Document.DC">
+                <p:oleObj spid="_x0000_s2236" name="Acrobat Document" showAsIcon="1" r:id="rId10" imgW="914400" imgH="771480" progId="Acrobat.Document.DC">
                   <p:embed/>
                 </p:oleObj>
               </mc:Choice>
               <mc:Fallback>
-                <p:oleObj name="Acrobat Document" showAsIcon="1" r:id="rId10" imgW="914400" imgH="771480" progId="AcroExch.Document.DC">
+                <p:oleObj name="Acrobat Document" showAsIcon="1" r:id="rId10" imgW="914400" imgH="771480" progId="Acrobat.Document.DC">
                   <p:embed/>
                   <p:pic>
                     <p:nvPicPr>
@@ -5398,30 +5405,6 @@
           </p:txBody>
         </p:sp>
       </p:grpSp>
-      <p:pic>
-        <p:nvPicPr>
-          <p:cNvPr id="73" name="Imagem 72"/>
-          <p:cNvPicPr>
-            <a:picLocks noChangeAspect="1"/>
-          </p:cNvPicPr>
-          <p:nvPr/>
-        </p:nvPicPr>
-        <p:blipFill>
-          <a:blip r:embed="rId12"/>
-          <a:stretch>
-            <a:fillRect/>
-          </a:stretch>
-        </p:blipFill>
-        <p:spPr>
-          <a:xfrm>
-            <a:off x="8161496" y="5315180"/>
-            <a:ext cx="3552825" cy="1447800"/>
-          </a:xfrm>
-          <a:prstGeom prst="rect">
-            <a:avLst/>
-          </a:prstGeom>
-        </p:spPr>
-      </p:pic>
       <p:sp>
         <p:nvSpPr>
           <p:cNvPr id="74" name="Retângulo 73"/>
@@ -5530,7 +5513,7 @@
       <p:pic>
         <p:nvPicPr>
           <p:cNvPr id="2130" name="Picture 82" descr="GitHub (@github) / Twitter">
-            <a:hlinkClick r:id="rId13"/>
+            <a:hlinkClick r:id="rId12"/>
           </p:cNvPr>
           <p:cNvPicPr>
             <a:picLocks noChangeAspect="1" noChangeArrowheads="1"/>
@@ -5538,7 +5521,7 @@
           <p:nvPr/>
         </p:nvPicPr>
         <p:blipFill>
-          <a:blip r:embed="rId14" cstate="print">
+          <a:blip r:embed="rId13" cstate="print">
             <a:extLst>
               <a:ext uri="{28A0092B-C50C-407E-A947-70E740481C1C}">
                 <a14:useLocalDpi xmlns:a14="http://schemas.microsoft.com/office/drawing/2010/main" val="0"/>
@@ -5622,7 +5605,7 @@
           <a:p>
             <a:r>
               <a:rPr lang="pt-BR" dirty="0" smtClean="0">
-                <a:hlinkClick r:id="rId15"/>
+                <a:hlinkClick r:id="rId14"/>
               </a:rPr>
               <a:t>Link</a:t>
             </a:r>
@@ -5652,12 +5635,12 @@
           <a:graphicData uri="http://schemas.openxmlformats.org/presentationml/2006/ole">
             <mc:AlternateContent xmlns:mc="http://schemas.openxmlformats.org/markup-compatibility/2006">
               <mc:Choice xmlns:v="urn:schemas-microsoft-com:vml" Requires="v">
-                <p:oleObj spid="_x0000_s2169" name="Acrobat Document" showAsIcon="1" r:id="rId16" imgW="914400" imgH="771480" progId="Acrobat.Document.DC">
+                <p:oleObj spid="_x0000_s2237" name="Acrobat Document" showAsIcon="1" r:id="rId15" imgW="914400" imgH="771480" progId="Acrobat.Document.DC">
                   <p:embed/>
                 </p:oleObj>
               </mc:Choice>
               <mc:Fallback>
-                <p:oleObj name="Acrobat Document" showAsIcon="1" r:id="rId16" imgW="914400" imgH="771480" progId="Acrobat.Document.DC">
+                <p:oleObj name="Acrobat Document" showAsIcon="1" r:id="rId15" imgW="914400" imgH="771480" progId="Acrobat.Document.DC">
                   <p:embed/>
                   <p:pic>
                     <p:nvPicPr>
@@ -5666,7 +5649,7 @@
                       <p:nvPr/>
                     </p:nvPicPr>
                     <p:blipFill>
-                      <a:blip r:embed="rId17"/>
+                      <a:blip r:embed="rId16"/>
                       <a:stretch>
                         <a:fillRect/>
                       </a:stretch>
@@ -5709,12 +5692,12 @@
           <a:graphicData uri="http://schemas.openxmlformats.org/presentationml/2006/ole">
             <mc:AlternateContent xmlns:mc="http://schemas.openxmlformats.org/markup-compatibility/2006">
               <mc:Choice xmlns:v="urn:schemas-microsoft-com:vml" Requires="v">
-                <p:oleObj spid="_x0000_s2170" name="Acrobat Document" showAsIcon="1" r:id="rId18" imgW="914400" imgH="771480" progId="Acrobat.Document.DC">
+                <p:oleObj spid="_x0000_s2238" name="Acrobat Document" showAsIcon="1" r:id="rId17" imgW="914400" imgH="771480" progId="Acrobat.Document.DC">
                   <p:embed/>
                 </p:oleObj>
               </mc:Choice>
               <mc:Fallback>
-                <p:oleObj name="Acrobat Document" showAsIcon="1" r:id="rId18" imgW="914400" imgH="771480" progId="Acrobat.Document.DC">
+                <p:oleObj name="Acrobat Document" showAsIcon="1" r:id="rId17" imgW="914400" imgH="771480" progId="Acrobat.Document.DC">
                   <p:embed/>
                   <p:pic>
                     <p:nvPicPr>
@@ -5723,7 +5706,7 @@
                       <p:nvPr/>
                     </p:nvPicPr>
                     <p:blipFill>
-                      <a:blip r:embed="rId19"/>
+                      <a:blip r:embed="rId18"/>
                       <a:stretch>
                         <a:fillRect/>
                       </a:stretch>
@@ -5744,6 +5727,201 @@
           </a:graphicData>
         </a:graphic>
       </p:graphicFrame>
+      <p:graphicFrame>
+        <p:nvGraphicFramePr>
+          <p:cNvPr id="20" name="Objeto 19"/>
+          <p:cNvGraphicFramePr>
+            <a:graphicFrameLocks noChangeAspect="1"/>
+          </p:cNvGraphicFramePr>
+          <p:nvPr>
+            <p:extLst>
+              <p:ext uri="{D42A27DB-BD31-4B8C-83A1-F6EECF244321}">
+                <p14:modId xmlns:p14="http://schemas.microsoft.com/office/powerpoint/2010/main" val="3894383695"/>
+              </p:ext>
+            </p:extLst>
+          </p:nvPr>
+        </p:nvGraphicFramePr>
+        <p:xfrm>
+          <a:off x="2111494" y="5376324"/>
+          <a:ext cx="914400" cy="771525"/>
+        </p:xfrm>
+        <a:graphic>
+          <a:graphicData uri="http://schemas.openxmlformats.org/presentationml/2006/ole">
+            <mc:AlternateContent xmlns:mc="http://schemas.openxmlformats.org/markup-compatibility/2006">
+              <mc:Choice xmlns:v="urn:schemas-microsoft-com:vml" Requires="v">
+                <p:oleObj spid="_x0000_s2239" name="Acrobat Document" showAsIcon="1" r:id="rId19" imgW="914400" imgH="771480" progId="Acrobat.Document.DC">
+                  <p:embed/>
+                </p:oleObj>
+              </mc:Choice>
+              <mc:Fallback>
+                <p:oleObj name="Acrobat Document" showAsIcon="1" r:id="rId19" imgW="914400" imgH="771480" progId="Acrobat.Document.DC">
+                  <p:embed/>
+                  <p:pic>
+                    <p:nvPicPr>
+                      <p:cNvPr id="0" name=""/>
+                      <p:cNvPicPr/>
+                      <p:nvPr/>
+                    </p:nvPicPr>
+                    <p:blipFill>
+                      <a:blip r:embed="rId20"/>
+                      <a:stretch>
+                        <a:fillRect/>
+                      </a:stretch>
+                    </p:blipFill>
+                    <p:spPr>
+                      <a:xfrm>
+                        <a:off x="2111494" y="5376324"/>
+                        <a:ext cx="914400" cy="771525"/>
+                      </a:xfrm>
+                      <a:prstGeom prst="rect">
+                        <a:avLst/>
+                      </a:prstGeom>
+                    </p:spPr>
+                  </p:pic>
+                </p:oleObj>
+              </mc:Fallback>
+            </mc:AlternateContent>
+          </a:graphicData>
+        </a:graphic>
+      </p:graphicFrame>
+      <p:graphicFrame>
+        <p:nvGraphicFramePr>
+          <p:cNvPr id="21" name="Objeto 20"/>
+          <p:cNvGraphicFramePr>
+            <a:graphicFrameLocks noChangeAspect="1"/>
+          </p:cNvGraphicFramePr>
+          <p:nvPr>
+            <p:extLst>
+              <p:ext uri="{D42A27DB-BD31-4B8C-83A1-F6EECF244321}">
+                <p14:modId xmlns:p14="http://schemas.microsoft.com/office/powerpoint/2010/main" val="2531148309"/>
+              </p:ext>
+            </p:extLst>
+          </p:nvPr>
+        </p:nvGraphicFramePr>
+        <p:xfrm>
+          <a:off x="979788" y="5326969"/>
+          <a:ext cx="914400" cy="771525"/>
+        </p:xfrm>
+        <a:graphic>
+          <a:graphicData uri="http://schemas.openxmlformats.org/presentationml/2006/ole">
+            <mc:AlternateContent xmlns:mc="http://schemas.openxmlformats.org/markup-compatibility/2006">
+              <mc:Choice xmlns:v="urn:schemas-microsoft-com:vml" Requires="v">
+                <p:oleObj spid="_x0000_s2240" name="Acrobat Document" showAsIcon="1" r:id="rId21" imgW="914400" imgH="771480" progId="Acrobat.Document.DC">
+                  <p:embed/>
+                </p:oleObj>
+              </mc:Choice>
+              <mc:Fallback>
+                <p:oleObj name="Acrobat Document" showAsIcon="1" r:id="rId21" imgW="914400" imgH="771480" progId="Acrobat.Document.DC">
+                  <p:embed/>
+                  <p:pic>
+                    <p:nvPicPr>
+                      <p:cNvPr id="0" name=""/>
+                      <p:cNvPicPr/>
+                      <p:nvPr/>
+                    </p:nvPicPr>
+                    <p:blipFill>
+                      <a:blip r:embed="rId22"/>
+                      <a:stretch>
+                        <a:fillRect/>
+                      </a:stretch>
+                    </p:blipFill>
+                    <p:spPr>
+                      <a:xfrm>
+                        <a:off x="979788" y="5326969"/>
+                        <a:ext cx="914400" cy="771525"/>
+                      </a:xfrm>
+                      <a:prstGeom prst="rect">
+                        <a:avLst/>
+                      </a:prstGeom>
+                    </p:spPr>
+                  </p:pic>
+                </p:oleObj>
+              </mc:Fallback>
+            </mc:AlternateContent>
+          </a:graphicData>
+        </a:graphic>
+      </p:graphicFrame>
+      <p:graphicFrame>
+        <p:nvGraphicFramePr>
+          <p:cNvPr id="27" name="Objeto 26"/>
+          <p:cNvGraphicFramePr>
+            <a:graphicFrameLocks noChangeAspect="1"/>
+          </p:cNvGraphicFramePr>
+          <p:nvPr>
+            <p:extLst>
+              <p:ext uri="{D42A27DB-BD31-4B8C-83A1-F6EECF244321}">
+                <p14:modId xmlns:p14="http://schemas.microsoft.com/office/powerpoint/2010/main" val="4025806813"/>
+              </p:ext>
+            </p:extLst>
+          </p:nvPr>
+        </p:nvGraphicFramePr>
+        <p:xfrm>
+          <a:off x="5569375" y="5326969"/>
+          <a:ext cx="914400" cy="771525"/>
+        </p:xfrm>
+        <a:graphic>
+          <a:graphicData uri="http://schemas.openxmlformats.org/presentationml/2006/ole">
+            <mc:AlternateContent xmlns:mc="http://schemas.openxmlformats.org/markup-compatibility/2006">
+              <mc:Choice xmlns:v="urn:schemas-microsoft-com:vml" Requires="v">
+                <p:oleObj spid="_x0000_s2241" name="Acrobat Document" showAsIcon="1" r:id="rId23" imgW="914400" imgH="771480" progId="Acrobat.Document.DC">
+                  <p:embed/>
+                </p:oleObj>
+              </mc:Choice>
+              <mc:Fallback>
+                <p:oleObj name="Acrobat Document" showAsIcon="1" r:id="rId23" imgW="914400" imgH="771480" progId="Acrobat.Document.DC">
+                  <p:embed/>
+                  <p:pic>
+                    <p:nvPicPr>
+                      <p:cNvPr id="0" name=""/>
+                      <p:cNvPicPr/>
+                      <p:nvPr/>
+                    </p:nvPicPr>
+                    <p:blipFill>
+                      <a:blip r:embed="rId24"/>
+                      <a:stretch>
+                        <a:fillRect/>
+                      </a:stretch>
+                    </p:blipFill>
+                    <p:spPr>
+                      <a:xfrm>
+                        <a:off x="5569375" y="5326969"/>
+                        <a:ext cx="914400" cy="771525"/>
+                      </a:xfrm>
+                      <a:prstGeom prst="rect">
+                        <a:avLst/>
+                      </a:prstGeom>
+                    </p:spPr>
+                  </p:pic>
+                </p:oleObj>
+              </mc:Fallback>
+            </mc:AlternateContent>
+          </a:graphicData>
+        </a:graphic>
+      </p:graphicFrame>
+      <p:pic>
+        <p:nvPicPr>
+          <p:cNvPr id="28" name="Imagem 27"/>
+          <p:cNvPicPr>
+            <a:picLocks noChangeAspect="1"/>
+          </p:cNvPicPr>
+          <p:nvPr/>
+        </p:nvPicPr>
+        <p:blipFill>
+          <a:blip r:embed="rId25"/>
+          <a:stretch>
+            <a:fillRect/>
+          </a:stretch>
+        </p:blipFill>
+        <p:spPr>
+          <a:xfrm>
+            <a:off x="8389828" y="5296159"/>
+            <a:ext cx="3176205" cy="1378969"/>
+          </a:xfrm>
+          <a:prstGeom prst="rect">
+            <a:avLst/>
+          </a:prstGeom>
+        </p:spPr>
+      </p:pic>
     </p:spTree>
     <p:extLst>
       <p:ext uri="{BB962C8B-B14F-4D97-AF65-F5344CB8AC3E}">
